--- a/2차발표 PPT.pptx
+++ b/2차발표 PPT.pptx
@@ -107,6 +107,11 @@
       </a:defRPr>
     </a:lvl9pPr>
   </p:defaultTextStyle>
+  <p:extLst>
+    <p:ext uri="{EFAFB233-063F-42B5-8137-9DF3F51BA10A}">
+      <p15:sldGuideLst xmlns:p15="http://schemas.microsoft.com/office/powerpoint/2012/main"/>
+    </p:ext>
+  </p:extLst>
 </p:presentation>
 </file>
 
@@ -3615,7 +3620,7 @@
                   </a:outerShdw>
                 </a:effectLst>
               </a:rPr>
-              <a:t>일차</a:t>
+              <a:t>주차</a:t>
             </a:r>
             <a:r>
               <a:rPr lang="en-US" altLang="ko-KR" sz="2400" b="1" dirty="0">
@@ -3688,7 +3693,7 @@
                   </a:outerShdw>
                 </a:effectLst>
               </a:rPr>
-              <a:t>일차</a:t>
+              <a:t>주차</a:t>
             </a:r>
             <a:r>
               <a:rPr lang="en-US" altLang="ko-KR" sz="2400" b="1" dirty="0">
@@ -3764,7 +3769,7 @@
                   </a:outerShdw>
                 </a:effectLst>
               </a:rPr>
-              <a:t>일차</a:t>
+              <a:t>주차</a:t>
             </a:r>
             <a:r>
               <a:rPr lang="en-US" altLang="ko-KR" sz="2400" b="1" dirty="0">
@@ -3853,7 +3858,7 @@
                   </a:outerShdw>
                 </a:effectLst>
               </a:rPr>
-              <a:t>일차</a:t>
+              <a:t>주차</a:t>
             </a:r>
             <a:r>
               <a:rPr lang="en-US" altLang="ko-KR" sz="2400" b="1" dirty="0">
@@ -3953,7 +3958,7 @@
                   </a:outerShdw>
                 </a:effectLst>
               </a:rPr>
-              <a:t>일차</a:t>
+              <a:t>주차</a:t>
             </a:r>
             <a:r>
               <a:rPr lang="en-US" altLang="ko-KR" sz="2400" b="1" dirty="0">
@@ -4038,7 +4043,7 @@
                   </a:outerShdw>
                 </a:effectLst>
               </a:rPr>
-              <a:t>일차</a:t>
+              <a:t>주차</a:t>
             </a:r>
             <a:r>
               <a:rPr lang="en-US" altLang="ko-KR" sz="2400" b="1" dirty="0">
@@ -4108,7 +4113,7 @@
                   </a:outerShdw>
                 </a:effectLst>
               </a:rPr>
-              <a:t>일차</a:t>
+              <a:t>주차</a:t>
             </a:r>
             <a:r>
               <a:rPr lang="en-US" altLang="ko-KR" sz="2400" b="1" dirty="0">
@@ -4178,7 +4183,7 @@
                   </a:outerShdw>
                 </a:effectLst>
               </a:rPr>
-              <a:t>일차</a:t>
+              <a:t>주차</a:t>
             </a:r>
             <a:r>
               <a:rPr lang="en-US" altLang="ko-KR" sz="2400" b="1" dirty="0">
